--- a/Diagnostics/local/Figures/Fig2.pptx
+++ b/Diagnostics/local/Figures/Fig2.pptx
@@ -2,15 +2,15 @@
 <file path=ppt/presentation.xml><?xml version="1.0" encoding="utf-8"?>
 <p:presentation xmlns:a="http://schemas.openxmlformats.org/drawingml/2006/main" xmlns:r="http://schemas.openxmlformats.org/officeDocument/2006/relationships" xmlns:p="http://schemas.openxmlformats.org/presentationml/2006/main" saveSubsetFonts="1">
   <p:sldMasterIdLst>
-    <p:sldMasterId id="2147483720" r:id="rId1"/>
+    <p:sldMasterId id="2147483732" r:id="rId1"/>
   </p:sldMasterIdLst>
   <p:notesMasterIdLst>
     <p:notesMasterId r:id="rId3"/>
   </p:notesMasterIdLst>
   <p:sldIdLst>
-    <p:sldId id="257" r:id="rId2"/>
+    <p:sldId id="258" r:id="rId2"/>
   </p:sldIdLst>
-  <p:sldSz cx="10972800" cy="11887200"/>
+  <p:sldSz cx="14630400" cy="5486400"/>
   <p:notesSz cx="6858000" cy="9144000"/>
   <p:defaultTextStyle>
     <a:defPPr>
@@ -197,7 +197,7 @@
           <a:p>
             <a:fld id="{556A5888-B09A-4C42-A5B1-6FA7AFFAF39F}" type="datetimeFigureOut">
               <a:rPr lang="en-US" smtClean="0"/>
-              <a:t>3/7/2023</a:t>
+              <a:t>4/13/2023</a:t>
             </a:fld>
             <a:endParaRPr lang="en-US"/>
           </a:p>
@@ -215,8 +215,8 @@
         </p:nvSpPr>
         <p:spPr>
           <a:xfrm>
-            <a:off x="2005013" y="1143000"/>
-            <a:ext cx="2847975" cy="3086100"/>
+            <a:off x="-685800" y="1143000"/>
+            <a:ext cx="8229600" cy="3086100"/>
           </a:xfrm>
           <a:prstGeom prst="rect">
             <a:avLst/>
@@ -493,15 +493,15 @@
         </p:nvSpPr>
         <p:spPr>
           <a:xfrm>
-            <a:off x="822960" y="1945429"/>
-            <a:ext cx="9326880" cy="4138507"/>
+            <a:off x="1828800" y="897890"/>
+            <a:ext cx="10972800" cy="1910080"/>
           </a:xfrm>
         </p:spPr>
         <p:txBody>
           <a:bodyPr anchor="b"/>
           <a:lstStyle>
             <a:lvl1pPr algn="ctr">
-              <a:defRPr sz="7200"/>
+              <a:defRPr sz="4800"/>
             </a:lvl1pPr>
           </a:lstStyle>
           <a:p>
@@ -525,8 +525,8 @@
         </p:nvSpPr>
         <p:spPr>
           <a:xfrm>
-            <a:off x="1371600" y="6243533"/>
-            <a:ext cx="8229600" cy="2869987"/>
+            <a:off x="1828800" y="2881630"/>
+            <a:ext cx="10972800" cy="1324610"/>
           </a:xfrm>
         </p:spPr>
         <p:txBody>
@@ -534,39 +534,39 @@
           <a:lstStyle>
             <a:lvl1pPr marL="0" indent="0" algn="ctr">
               <a:buNone/>
-              <a:defRPr sz="2880"/>
+              <a:defRPr sz="1920"/>
             </a:lvl1pPr>
-            <a:lvl2pPr marL="548640" indent="0" algn="ctr">
-              <a:buNone/>
-              <a:defRPr sz="2400"/>
+            <a:lvl2pPr marL="365760" indent="0" algn="ctr">
+              <a:buNone/>
+              <a:defRPr sz="1600"/>
             </a:lvl2pPr>
-            <a:lvl3pPr marL="1097280" indent="0" algn="ctr">
-              <a:buNone/>
-              <a:defRPr sz="2160"/>
+            <a:lvl3pPr marL="731520" indent="0" algn="ctr">
+              <a:buNone/>
+              <a:defRPr sz="1440"/>
             </a:lvl3pPr>
-            <a:lvl4pPr marL="1645920" indent="0" algn="ctr">
-              <a:buNone/>
-              <a:defRPr sz="1920"/>
+            <a:lvl4pPr marL="1097280" indent="0" algn="ctr">
+              <a:buNone/>
+              <a:defRPr sz="1280"/>
             </a:lvl4pPr>
-            <a:lvl5pPr marL="2194560" indent="0" algn="ctr">
-              <a:buNone/>
-              <a:defRPr sz="1920"/>
+            <a:lvl5pPr marL="1463040" indent="0" algn="ctr">
+              <a:buNone/>
+              <a:defRPr sz="1280"/>
             </a:lvl5pPr>
-            <a:lvl6pPr marL="2743200" indent="0" algn="ctr">
-              <a:buNone/>
-              <a:defRPr sz="1920"/>
+            <a:lvl6pPr marL="1828800" indent="0" algn="ctr">
+              <a:buNone/>
+              <a:defRPr sz="1280"/>
             </a:lvl6pPr>
-            <a:lvl7pPr marL="3291840" indent="0" algn="ctr">
-              <a:buNone/>
-              <a:defRPr sz="1920"/>
+            <a:lvl7pPr marL="2194560" indent="0" algn="ctr">
+              <a:buNone/>
+              <a:defRPr sz="1280"/>
             </a:lvl7pPr>
-            <a:lvl8pPr marL="3840480" indent="0" algn="ctr">
-              <a:buNone/>
-              <a:defRPr sz="1920"/>
+            <a:lvl8pPr marL="2560320" indent="0" algn="ctr">
+              <a:buNone/>
+              <a:defRPr sz="1280"/>
             </a:lvl8pPr>
-            <a:lvl9pPr marL="4389120" indent="0" algn="ctr">
-              <a:buNone/>
-              <a:defRPr sz="1920"/>
+            <a:lvl9pPr marL="2926080" indent="0" algn="ctr">
+              <a:buNone/>
+              <a:defRPr sz="1280"/>
             </a:lvl9pPr>
           </a:lstStyle>
           <a:p>
@@ -595,7 +595,7 @@
           <a:p>
             <a:fld id="{43DA9A97-6A4D-4190-82F3-1342E7FB8B4E}" type="datetimeFigureOut">
               <a:rPr lang="en-US" smtClean="0"/>
-              <a:t>3/7/2023</a:t>
+              <a:t>4/13/2023</a:t>
             </a:fld>
             <a:endParaRPr lang="en-US"/>
           </a:p>
@@ -646,7 +646,7 @@
     </p:spTree>
     <p:extLst>
       <p:ext uri="{BB962C8B-B14F-4D97-AF65-F5344CB8AC3E}">
-        <p14:creationId xmlns:p14="http://schemas.microsoft.com/office/powerpoint/2010/main" val="1760960545"/>
+        <p14:creationId xmlns:p14="http://schemas.microsoft.com/office/powerpoint/2010/main" val="2558632225"/>
       </p:ext>
     </p:extLst>
   </p:cSld>
@@ -765,7 +765,7 @@
           <a:p>
             <a:fld id="{43DA9A97-6A4D-4190-82F3-1342E7FB8B4E}" type="datetimeFigureOut">
               <a:rPr lang="en-US" smtClean="0"/>
-              <a:t>3/7/2023</a:t>
+              <a:t>4/13/2023</a:t>
             </a:fld>
             <a:endParaRPr lang="en-US"/>
           </a:p>
@@ -816,7 +816,7 @@
     </p:spTree>
     <p:extLst>
       <p:ext uri="{BB962C8B-B14F-4D97-AF65-F5344CB8AC3E}">
-        <p14:creationId xmlns:p14="http://schemas.microsoft.com/office/powerpoint/2010/main" val="1598105486"/>
+        <p14:creationId xmlns:p14="http://schemas.microsoft.com/office/powerpoint/2010/main" val="2649461450"/>
       </p:ext>
     </p:extLst>
   </p:cSld>
@@ -855,8 +855,8 @@
         </p:nvSpPr>
         <p:spPr>
           <a:xfrm>
-            <a:off x="7852411" y="632883"/>
-            <a:ext cx="2366010" cy="10073853"/>
+            <a:off x="10469880" y="292100"/>
+            <a:ext cx="3154680" cy="4649470"/>
           </a:xfrm>
         </p:spPr>
         <p:txBody>
@@ -883,8 +883,8 @@
         </p:nvSpPr>
         <p:spPr>
           <a:xfrm>
-            <a:off x="754381" y="632883"/>
-            <a:ext cx="6960870" cy="10073853"/>
+            <a:off x="1005840" y="292100"/>
+            <a:ext cx="9281160" cy="4649470"/>
           </a:xfrm>
         </p:spPr>
         <p:txBody>
@@ -945,7 +945,7 @@
           <a:p>
             <a:fld id="{43DA9A97-6A4D-4190-82F3-1342E7FB8B4E}" type="datetimeFigureOut">
               <a:rPr lang="en-US" smtClean="0"/>
-              <a:t>3/7/2023</a:t>
+              <a:t>4/13/2023</a:t>
             </a:fld>
             <a:endParaRPr lang="en-US"/>
           </a:p>
@@ -996,7 +996,7 @@
     </p:spTree>
     <p:extLst>
       <p:ext uri="{BB962C8B-B14F-4D97-AF65-F5344CB8AC3E}">
-        <p14:creationId xmlns:p14="http://schemas.microsoft.com/office/powerpoint/2010/main" val="3868079829"/>
+        <p14:creationId xmlns:p14="http://schemas.microsoft.com/office/powerpoint/2010/main" val="15046639"/>
       </p:ext>
     </p:extLst>
   </p:cSld>
@@ -1115,7 +1115,7 @@
           <a:p>
             <a:fld id="{43DA9A97-6A4D-4190-82F3-1342E7FB8B4E}" type="datetimeFigureOut">
               <a:rPr lang="en-US" smtClean="0"/>
-              <a:t>3/7/2023</a:t>
+              <a:t>4/13/2023</a:t>
             </a:fld>
             <a:endParaRPr lang="en-US"/>
           </a:p>
@@ -1166,7 +1166,7 @@
     </p:spTree>
     <p:extLst>
       <p:ext uri="{BB962C8B-B14F-4D97-AF65-F5344CB8AC3E}">
-        <p14:creationId xmlns:p14="http://schemas.microsoft.com/office/powerpoint/2010/main" val="3067581999"/>
+        <p14:creationId xmlns:p14="http://schemas.microsoft.com/office/powerpoint/2010/main" val="3881940050"/>
       </p:ext>
     </p:extLst>
   </p:cSld>
@@ -1205,15 +1205,15 @@
         </p:nvSpPr>
         <p:spPr>
           <a:xfrm>
-            <a:off x="748666" y="2963549"/>
-            <a:ext cx="9464040" cy="4944744"/>
+            <a:off x="998220" y="1367791"/>
+            <a:ext cx="12618720" cy="2282190"/>
           </a:xfrm>
         </p:spPr>
         <p:txBody>
           <a:bodyPr anchor="b"/>
           <a:lstStyle>
             <a:lvl1pPr>
-              <a:defRPr sz="7200"/>
+              <a:defRPr sz="4800"/>
             </a:lvl1pPr>
           </a:lstStyle>
           <a:p>
@@ -1237,8 +1237,8 @@
         </p:nvSpPr>
         <p:spPr>
           <a:xfrm>
-            <a:off x="748666" y="7955072"/>
-            <a:ext cx="9464040" cy="2600324"/>
+            <a:off x="998220" y="3671571"/>
+            <a:ext cx="12618720" cy="1200150"/>
           </a:xfrm>
         </p:spPr>
         <p:txBody>
@@ -1246,15 +1246,17 @@
           <a:lstStyle>
             <a:lvl1pPr marL="0" indent="0">
               <a:buNone/>
-              <a:defRPr sz="2880">
+              <a:defRPr sz="1920">
                 <a:solidFill>
-                  <a:schemeClr val="tx1"/>
+                  <a:schemeClr val="tx1">
+                    <a:tint val="75000"/>
+                  </a:schemeClr>
                 </a:solidFill>
               </a:defRPr>
             </a:lvl1pPr>
-            <a:lvl2pPr marL="548640" indent="0">
-              <a:buNone/>
-              <a:defRPr sz="2400">
+            <a:lvl2pPr marL="365760" indent="0">
+              <a:buNone/>
+              <a:defRPr sz="1600">
                 <a:solidFill>
                   <a:schemeClr val="tx1">
                     <a:tint val="75000"/>
@@ -1262,9 +1264,9 @@
                 </a:solidFill>
               </a:defRPr>
             </a:lvl2pPr>
-            <a:lvl3pPr marL="1097280" indent="0">
-              <a:buNone/>
-              <a:defRPr sz="2160">
+            <a:lvl3pPr marL="731520" indent="0">
+              <a:buNone/>
+              <a:defRPr sz="1440">
                 <a:solidFill>
                   <a:schemeClr val="tx1">
                     <a:tint val="75000"/>
@@ -1272,9 +1274,9 @@
                 </a:solidFill>
               </a:defRPr>
             </a:lvl3pPr>
-            <a:lvl4pPr marL="1645920" indent="0">
-              <a:buNone/>
-              <a:defRPr sz="1920">
+            <a:lvl4pPr marL="1097280" indent="0">
+              <a:buNone/>
+              <a:defRPr sz="1280">
                 <a:solidFill>
                   <a:schemeClr val="tx1">
                     <a:tint val="75000"/>
@@ -1282,9 +1284,9 @@
                 </a:solidFill>
               </a:defRPr>
             </a:lvl4pPr>
-            <a:lvl5pPr marL="2194560" indent="0">
-              <a:buNone/>
-              <a:defRPr sz="1920">
+            <a:lvl5pPr marL="1463040" indent="0">
+              <a:buNone/>
+              <a:defRPr sz="1280">
                 <a:solidFill>
                   <a:schemeClr val="tx1">
                     <a:tint val="75000"/>
@@ -1292,9 +1294,9 @@
                 </a:solidFill>
               </a:defRPr>
             </a:lvl5pPr>
-            <a:lvl6pPr marL="2743200" indent="0">
-              <a:buNone/>
-              <a:defRPr sz="1920">
+            <a:lvl6pPr marL="1828800" indent="0">
+              <a:buNone/>
+              <a:defRPr sz="1280">
                 <a:solidFill>
                   <a:schemeClr val="tx1">
                     <a:tint val="75000"/>
@@ -1302,9 +1304,9 @@
                 </a:solidFill>
               </a:defRPr>
             </a:lvl6pPr>
-            <a:lvl7pPr marL="3291840" indent="0">
-              <a:buNone/>
-              <a:defRPr sz="1920">
+            <a:lvl7pPr marL="2194560" indent="0">
+              <a:buNone/>
+              <a:defRPr sz="1280">
                 <a:solidFill>
                   <a:schemeClr val="tx1">
                     <a:tint val="75000"/>
@@ -1312,9 +1314,9 @@
                 </a:solidFill>
               </a:defRPr>
             </a:lvl7pPr>
-            <a:lvl8pPr marL="3840480" indent="0">
-              <a:buNone/>
-              <a:defRPr sz="1920">
+            <a:lvl8pPr marL="2560320" indent="0">
+              <a:buNone/>
+              <a:defRPr sz="1280">
                 <a:solidFill>
                   <a:schemeClr val="tx1">
                     <a:tint val="75000"/>
@@ -1322,9 +1324,9 @@
                 </a:solidFill>
               </a:defRPr>
             </a:lvl8pPr>
-            <a:lvl9pPr marL="4389120" indent="0">
-              <a:buNone/>
-              <a:defRPr sz="1920">
+            <a:lvl9pPr marL="2926080" indent="0">
+              <a:buNone/>
+              <a:defRPr sz="1280">
                 <a:solidFill>
                   <a:schemeClr val="tx1">
                     <a:tint val="75000"/>
@@ -1359,7 +1361,7 @@
           <a:p>
             <a:fld id="{43DA9A97-6A4D-4190-82F3-1342E7FB8B4E}" type="datetimeFigureOut">
               <a:rPr lang="en-US" smtClean="0"/>
-              <a:t>3/7/2023</a:t>
+              <a:t>4/13/2023</a:t>
             </a:fld>
             <a:endParaRPr lang="en-US"/>
           </a:p>
@@ -1410,7 +1412,7 @@
     </p:spTree>
     <p:extLst>
       <p:ext uri="{BB962C8B-B14F-4D97-AF65-F5344CB8AC3E}">
-        <p14:creationId xmlns:p14="http://schemas.microsoft.com/office/powerpoint/2010/main" val="1412438180"/>
+        <p14:creationId xmlns:p14="http://schemas.microsoft.com/office/powerpoint/2010/main" val="3324448819"/>
       </p:ext>
     </p:extLst>
   </p:cSld>
@@ -1472,8 +1474,8 @@
         </p:nvSpPr>
         <p:spPr>
           <a:xfrm>
-            <a:off x="754380" y="3164417"/>
-            <a:ext cx="4663440" cy="7542319"/>
+            <a:off x="1005840" y="1460500"/>
+            <a:ext cx="6217920" cy="3481070"/>
           </a:xfrm>
         </p:spPr>
         <p:txBody>
@@ -1529,8 +1531,8 @@
         </p:nvSpPr>
         <p:spPr>
           <a:xfrm>
-            <a:off x="5554980" y="3164417"/>
-            <a:ext cx="4663440" cy="7542319"/>
+            <a:off x="7406640" y="1460500"/>
+            <a:ext cx="6217920" cy="3481070"/>
           </a:xfrm>
         </p:spPr>
         <p:txBody>
@@ -1591,7 +1593,7 @@
           <a:p>
             <a:fld id="{43DA9A97-6A4D-4190-82F3-1342E7FB8B4E}" type="datetimeFigureOut">
               <a:rPr lang="en-US" smtClean="0"/>
-              <a:t>3/7/2023</a:t>
+              <a:t>4/13/2023</a:t>
             </a:fld>
             <a:endParaRPr lang="en-US"/>
           </a:p>
@@ -1642,7 +1644,7 @@
     </p:spTree>
     <p:extLst>
       <p:ext uri="{BB962C8B-B14F-4D97-AF65-F5344CB8AC3E}">
-        <p14:creationId xmlns:p14="http://schemas.microsoft.com/office/powerpoint/2010/main" val="402440938"/>
+        <p14:creationId xmlns:p14="http://schemas.microsoft.com/office/powerpoint/2010/main" val="3322411170"/>
       </p:ext>
     </p:extLst>
   </p:cSld>
@@ -1681,8 +1683,8 @@
         </p:nvSpPr>
         <p:spPr>
           <a:xfrm>
-            <a:off x="755809" y="632886"/>
-            <a:ext cx="9464040" cy="2297643"/>
+            <a:off x="1007746" y="292101"/>
+            <a:ext cx="12618720" cy="1060450"/>
           </a:xfrm>
         </p:spPr>
         <p:txBody>
@@ -1709,8 +1711,8 @@
         </p:nvSpPr>
         <p:spPr>
           <a:xfrm>
-            <a:off x="755810" y="2914016"/>
-            <a:ext cx="4642008" cy="1428114"/>
+            <a:off x="1007746" y="1344930"/>
+            <a:ext cx="6189344" cy="659130"/>
           </a:xfrm>
         </p:spPr>
         <p:txBody>
@@ -1718,39 +1720,39 @@
           <a:lstStyle>
             <a:lvl1pPr marL="0" indent="0">
               <a:buNone/>
-              <a:defRPr sz="2880" b="1"/>
+              <a:defRPr sz="1920" b="1"/>
             </a:lvl1pPr>
-            <a:lvl2pPr marL="548640" indent="0">
-              <a:buNone/>
-              <a:defRPr sz="2400" b="1"/>
+            <a:lvl2pPr marL="365760" indent="0">
+              <a:buNone/>
+              <a:defRPr sz="1600" b="1"/>
             </a:lvl2pPr>
-            <a:lvl3pPr marL="1097280" indent="0">
-              <a:buNone/>
-              <a:defRPr sz="2160" b="1"/>
+            <a:lvl3pPr marL="731520" indent="0">
+              <a:buNone/>
+              <a:defRPr sz="1440" b="1"/>
             </a:lvl3pPr>
-            <a:lvl4pPr marL="1645920" indent="0">
-              <a:buNone/>
-              <a:defRPr sz="1920" b="1"/>
+            <a:lvl4pPr marL="1097280" indent="0">
+              <a:buNone/>
+              <a:defRPr sz="1280" b="1"/>
             </a:lvl4pPr>
-            <a:lvl5pPr marL="2194560" indent="0">
-              <a:buNone/>
-              <a:defRPr sz="1920" b="1"/>
+            <a:lvl5pPr marL="1463040" indent="0">
+              <a:buNone/>
+              <a:defRPr sz="1280" b="1"/>
             </a:lvl5pPr>
-            <a:lvl6pPr marL="2743200" indent="0">
-              <a:buNone/>
-              <a:defRPr sz="1920" b="1"/>
+            <a:lvl6pPr marL="1828800" indent="0">
+              <a:buNone/>
+              <a:defRPr sz="1280" b="1"/>
             </a:lvl6pPr>
-            <a:lvl7pPr marL="3291840" indent="0">
-              <a:buNone/>
-              <a:defRPr sz="1920" b="1"/>
+            <a:lvl7pPr marL="2194560" indent="0">
+              <a:buNone/>
+              <a:defRPr sz="1280" b="1"/>
             </a:lvl7pPr>
-            <a:lvl8pPr marL="3840480" indent="0">
-              <a:buNone/>
-              <a:defRPr sz="1920" b="1"/>
+            <a:lvl8pPr marL="2560320" indent="0">
+              <a:buNone/>
+              <a:defRPr sz="1280" b="1"/>
             </a:lvl8pPr>
-            <a:lvl9pPr marL="4389120" indent="0">
-              <a:buNone/>
-              <a:defRPr sz="1920" b="1"/>
+            <a:lvl9pPr marL="2926080" indent="0">
+              <a:buNone/>
+              <a:defRPr sz="1280" b="1"/>
             </a:lvl9pPr>
           </a:lstStyle>
           <a:p>
@@ -1774,8 +1776,8 @@
         </p:nvSpPr>
         <p:spPr>
           <a:xfrm>
-            <a:off x="755810" y="4342130"/>
-            <a:ext cx="4642008" cy="6386619"/>
+            <a:off x="1007746" y="2004060"/>
+            <a:ext cx="6189344" cy="2947670"/>
           </a:xfrm>
         </p:spPr>
         <p:txBody>
@@ -1831,8 +1833,8 @@
         </p:nvSpPr>
         <p:spPr>
           <a:xfrm>
-            <a:off x="5554981" y="2914016"/>
-            <a:ext cx="4664869" cy="1428114"/>
+            <a:off x="7406640" y="1344930"/>
+            <a:ext cx="6219826" cy="659130"/>
           </a:xfrm>
         </p:spPr>
         <p:txBody>
@@ -1840,39 +1842,39 @@
           <a:lstStyle>
             <a:lvl1pPr marL="0" indent="0">
               <a:buNone/>
-              <a:defRPr sz="2880" b="1"/>
+              <a:defRPr sz="1920" b="1"/>
             </a:lvl1pPr>
-            <a:lvl2pPr marL="548640" indent="0">
-              <a:buNone/>
-              <a:defRPr sz="2400" b="1"/>
+            <a:lvl2pPr marL="365760" indent="0">
+              <a:buNone/>
+              <a:defRPr sz="1600" b="1"/>
             </a:lvl2pPr>
-            <a:lvl3pPr marL="1097280" indent="0">
-              <a:buNone/>
-              <a:defRPr sz="2160" b="1"/>
+            <a:lvl3pPr marL="731520" indent="0">
+              <a:buNone/>
+              <a:defRPr sz="1440" b="1"/>
             </a:lvl3pPr>
-            <a:lvl4pPr marL="1645920" indent="0">
-              <a:buNone/>
-              <a:defRPr sz="1920" b="1"/>
+            <a:lvl4pPr marL="1097280" indent="0">
+              <a:buNone/>
+              <a:defRPr sz="1280" b="1"/>
             </a:lvl4pPr>
-            <a:lvl5pPr marL="2194560" indent="0">
-              <a:buNone/>
-              <a:defRPr sz="1920" b="1"/>
+            <a:lvl5pPr marL="1463040" indent="0">
+              <a:buNone/>
+              <a:defRPr sz="1280" b="1"/>
             </a:lvl5pPr>
-            <a:lvl6pPr marL="2743200" indent="0">
-              <a:buNone/>
-              <a:defRPr sz="1920" b="1"/>
+            <a:lvl6pPr marL="1828800" indent="0">
+              <a:buNone/>
+              <a:defRPr sz="1280" b="1"/>
             </a:lvl6pPr>
-            <a:lvl7pPr marL="3291840" indent="0">
-              <a:buNone/>
-              <a:defRPr sz="1920" b="1"/>
+            <a:lvl7pPr marL="2194560" indent="0">
+              <a:buNone/>
+              <a:defRPr sz="1280" b="1"/>
             </a:lvl7pPr>
-            <a:lvl8pPr marL="3840480" indent="0">
-              <a:buNone/>
-              <a:defRPr sz="1920" b="1"/>
+            <a:lvl8pPr marL="2560320" indent="0">
+              <a:buNone/>
+              <a:defRPr sz="1280" b="1"/>
             </a:lvl8pPr>
-            <a:lvl9pPr marL="4389120" indent="0">
-              <a:buNone/>
-              <a:defRPr sz="1920" b="1"/>
+            <a:lvl9pPr marL="2926080" indent="0">
+              <a:buNone/>
+              <a:defRPr sz="1280" b="1"/>
             </a:lvl9pPr>
           </a:lstStyle>
           <a:p>
@@ -1896,8 +1898,8 @@
         </p:nvSpPr>
         <p:spPr>
           <a:xfrm>
-            <a:off x="5554981" y="4342130"/>
-            <a:ext cx="4664869" cy="6386619"/>
+            <a:off x="7406640" y="2004060"/>
+            <a:ext cx="6219826" cy="2947670"/>
           </a:xfrm>
         </p:spPr>
         <p:txBody>
@@ -1958,7 +1960,7 @@
           <a:p>
             <a:fld id="{43DA9A97-6A4D-4190-82F3-1342E7FB8B4E}" type="datetimeFigureOut">
               <a:rPr lang="en-US" smtClean="0"/>
-              <a:t>3/7/2023</a:t>
+              <a:t>4/13/2023</a:t>
             </a:fld>
             <a:endParaRPr lang="en-US"/>
           </a:p>
@@ -2009,7 +2011,7 @@
     </p:spTree>
     <p:extLst>
       <p:ext uri="{BB962C8B-B14F-4D97-AF65-F5344CB8AC3E}">
-        <p14:creationId xmlns:p14="http://schemas.microsoft.com/office/powerpoint/2010/main" val="2584721832"/>
+        <p14:creationId xmlns:p14="http://schemas.microsoft.com/office/powerpoint/2010/main" val="3923748209"/>
       </p:ext>
     </p:extLst>
   </p:cSld>
@@ -2076,7 +2078,7 @@
           <a:p>
             <a:fld id="{43DA9A97-6A4D-4190-82F3-1342E7FB8B4E}" type="datetimeFigureOut">
               <a:rPr lang="en-US" smtClean="0"/>
-              <a:t>3/7/2023</a:t>
+              <a:t>4/13/2023</a:t>
             </a:fld>
             <a:endParaRPr lang="en-US"/>
           </a:p>
@@ -2127,7 +2129,7 @@
     </p:spTree>
     <p:extLst>
       <p:ext uri="{BB962C8B-B14F-4D97-AF65-F5344CB8AC3E}">
-        <p14:creationId xmlns:p14="http://schemas.microsoft.com/office/powerpoint/2010/main" val="170130701"/>
+        <p14:creationId xmlns:p14="http://schemas.microsoft.com/office/powerpoint/2010/main" val="4154370064"/>
       </p:ext>
     </p:extLst>
   </p:cSld>
@@ -2171,7 +2173,7 @@
           <a:p>
             <a:fld id="{43DA9A97-6A4D-4190-82F3-1342E7FB8B4E}" type="datetimeFigureOut">
               <a:rPr lang="en-US" smtClean="0"/>
-              <a:t>3/7/2023</a:t>
+              <a:t>4/13/2023</a:t>
             </a:fld>
             <a:endParaRPr lang="en-US"/>
           </a:p>
@@ -2222,7 +2224,7 @@
     </p:spTree>
     <p:extLst>
       <p:ext uri="{BB962C8B-B14F-4D97-AF65-F5344CB8AC3E}">
-        <p14:creationId xmlns:p14="http://schemas.microsoft.com/office/powerpoint/2010/main" val="1613103678"/>
+        <p14:creationId xmlns:p14="http://schemas.microsoft.com/office/powerpoint/2010/main" val="602587830"/>
       </p:ext>
     </p:extLst>
   </p:cSld>
@@ -2261,15 +2263,15 @@
         </p:nvSpPr>
         <p:spPr>
           <a:xfrm>
-            <a:off x="755809" y="792480"/>
-            <a:ext cx="3539014" cy="2773680"/>
+            <a:off x="1007746" y="365760"/>
+            <a:ext cx="4718684" cy="1280160"/>
           </a:xfrm>
         </p:spPr>
         <p:txBody>
           <a:bodyPr anchor="b"/>
           <a:lstStyle>
             <a:lvl1pPr>
-              <a:defRPr sz="3840"/>
+              <a:defRPr sz="2560"/>
             </a:lvl1pPr>
           </a:lstStyle>
           <a:p>
@@ -2293,39 +2295,39 @@
         </p:nvSpPr>
         <p:spPr>
           <a:xfrm>
-            <a:off x="4664869" y="1711539"/>
-            <a:ext cx="5554980" cy="8447617"/>
+            <a:off x="6219826" y="789940"/>
+            <a:ext cx="7406640" cy="3898900"/>
           </a:xfrm>
         </p:spPr>
         <p:txBody>
           <a:bodyPr/>
           <a:lstStyle>
             <a:lvl1pPr>
-              <a:defRPr sz="3840"/>
+              <a:defRPr sz="2560"/>
             </a:lvl1pPr>
             <a:lvl2pPr>
-              <a:defRPr sz="3360"/>
+              <a:defRPr sz="2240"/>
             </a:lvl2pPr>
             <a:lvl3pPr>
-              <a:defRPr sz="2880"/>
+              <a:defRPr sz="1920"/>
             </a:lvl3pPr>
             <a:lvl4pPr>
-              <a:defRPr sz="2400"/>
+              <a:defRPr sz="1600"/>
             </a:lvl4pPr>
             <a:lvl5pPr>
-              <a:defRPr sz="2400"/>
+              <a:defRPr sz="1600"/>
             </a:lvl5pPr>
             <a:lvl6pPr>
-              <a:defRPr sz="2400"/>
+              <a:defRPr sz="1600"/>
             </a:lvl6pPr>
             <a:lvl7pPr>
-              <a:defRPr sz="2400"/>
+              <a:defRPr sz="1600"/>
             </a:lvl7pPr>
             <a:lvl8pPr>
-              <a:defRPr sz="2400"/>
+              <a:defRPr sz="1600"/>
             </a:lvl8pPr>
             <a:lvl9pPr>
-              <a:defRPr sz="2400"/>
+              <a:defRPr sz="1600"/>
             </a:lvl9pPr>
           </a:lstStyle>
           <a:p>
@@ -2378,8 +2380,8 @@
         </p:nvSpPr>
         <p:spPr>
           <a:xfrm>
-            <a:off x="755809" y="3566160"/>
-            <a:ext cx="3539014" cy="6606753"/>
+            <a:off x="1007746" y="1645920"/>
+            <a:ext cx="4718684" cy="3049270"/>
           </a:xfrm>
         </p:spPr>
         <p:txBody>
@@ -2387,39 +2389,39 @@
           <a:lstStyle>
             <a:lvl1pPr marL="0" indent="0">
               <a:buNone/>
-              <a:defRPr sz="1920"/>
+              <a:defRPr sz="1280"/>
             </a:lvl1pPr>
-            <a:lvl2pPr marL="548640" indent="0">
-              <a:buNone/>
-              <a:defRPr sz="1680"/>
+            <a:lvl2pPr marL="365760" indent="0">
+              <a:buNone/>
+              <a:defRPr sz="1120"/>
             </a:lvl2pPr>
-            <a:lvl3pPr marL="1097280" indent="0">
-              <a:buNone/>
-              <a:defRPr sz="1440"/>
+            <a:lvl3pPr marL="731520" indent="0">
+              <a:buNone/>
+              <a:defRPr sz="960"/>
             </a:lvl3pPr>
-            <a:lvl4pPr marL="1645920" indent="0">
-              <a:buNone/>
-              <a:defRPr sz="1200"/>
+            <a:lvl4pPr marL="1097280" indent="0">
+              <a:buNone/>
+              <a:defRPr sz="800"/>
             </a:lvl4pPr>
-            <a:lvl5pPr marL="2194560" indent="0">
-              <a:buNone/>
-              <a:defRPr sz="1200"/>
+            <a:lvl5pPr marL="1463040" indent="0">
+              <a:buNone/>
+              <a:defRPr sz="800"/>
             </a:lvl5pPr>
-            <a:lvl6pPr marL="2743200" indent="0">
-              <a:buNone/>
-              <a:defRPr sz="1200"/>
+            <a:lvl6pPr marL="1828800" indent="0">
+              <a:buNone/>
+              <a:defRPr sz="800"/>
             </a:lvl6pPr>
-            <a:lvl7pPr marL="3291840" indent="0">
-              <a:buNone/>
-              <a:defRPr sz="1200"/>
+            <a:lvl7pPr marL="2194560" indent="0">
+              <a:buNone/>
+              <a:defRPr sz="800"/>
             </a:lvl7pPr>
-            <a:lvl8pPr marL="3840480" indent="0">
-              <a:buNone/>
-              <a:defRPr sz="1200"/>
+            <a:lvl8pPr marL="2560320" indent="0">
+              <a:buNone/>
+              <a:defRPr sz="800"/>
             </a:lvl8pPr>
-            <a:lvl9pPr marL="4389120" indent="0">
-              <a:buNone/>
-              <a:defRPr sz="1200"/>
+            <a:lvl9pPr marL="2926080" indent="0">
+              <a:buNone/>
+              <a:defRPr sz="800"/>
             </a:lvl9pPr>
           </a:lstStyle>
           <a:p>
@@ -2448,7 +2450,7 @@
           <a:p>
             <a:fld id="{43DA9A97-6A4D-4190-82F3-1342E7FB8B4E}" type="datetimeFigureOut">
               <a:rPr lang="en-US" smtClean="0"/>
-              <a:t>3/7/2023</a:t>
+              <a:t>4/13/2023</a:t>
             </a:fld>
             <a:endParaRPr lang="en-US"/>
           </a:p>
@@ -2499,7 +2501,7 @@
     </p:spTree>
     <p:extLst>
       <p:ext uri="{BB962C8B-B14F-4D97-AF65-F5344CB8AC3E}">
-        <p14:creationId xmlns:p14="http://schemas.microsoft.com/office/powerpoint/2010/main" val="3051560924"/>
+        <p14:creationId xmlns:p14="http://schemas.microsoft.com/office/powerpoint/2010/main" val="3124547123"/>
       </p:ext>
     </p:extLst>
   </p:cSld>
@@ -2538,15 +2540,15 @@
         </p:nvSpPr>
         <p:spPr>
           <a:xfrm>
-            <a:off x="755809" y="792480"/>
-            <a:ext cx="3539014" cy="2773680"/>
+            <a:off x="1007746" y="365760"/>
+            <a:ext cx="4718684" cy="1280160"/>
           </a:xfrm>
         </p:spPr>
         <p:txBody>
           <a:bodyPr anchor="b"/>
           <a:lstStyle>
             <a:lvl1pPr>
-              <a:defRPr sz="3840"/>
+              <a:defRPr sz="2560"/>
             </a:lvl1pPr>
           </a:lstStyle>
           <a:p>
@@ -2570,8 +2572,8 @@
         </p:nvSpPr>
         <p:spPr>
           <a:xfrm>
-            <a:off x="4664869" y="1711539"/>
-            <a:ext cx="5554980" cy="8447617"/>
+            <a:off x="6219826" y="789940"/>
+            <a:ext cx="7406640" cy="3898900"/>
           </a:xfrm>
         </p:spPr>
         <p:txBody>
@@ -2579,39 +2581,39 @@
           <a:lstStyle>
             <a:lvl1pPr marL="0" indent="0">
               <a:buNone/>
-              <a:defRPr sz="3840"/>
+              <a:defRPr sz="2560"/>
             </a:lvl1pPr>
-            <a:lvl2pPr marL="548640" indent="0">
-              <a:buNone/>
-              <a:defRPr sz="3360"/>
+            <a:lvl2pPr marL="365760" indent="0">
+              <a:buNone/>
+              <a:defRPr sz="2240"/>
             </a:lvl2pPr>
-            <a:lvl3pPr marL="1097280" indent="0">
-              <a:buNone/>
-              <a:defRPr sz="2880"/>
+            <a:lvl3pPr marL="731520" indent="0">
+              <a:buNone/>
+              <a:defRPr sz="1920"/>
             </a:lvl3pPr>
-            <a:lvl4pPr marL="1645920" indent="0">
-              <a:buNone/>
-              <a:defRPr sz="2400"/>
+            <a:lvl4pPr marL="1097280" indent="0">
+              <a:buNone/>
+              <a:defRPr sz="1600"/>
             </a:lvl4pPr>
-            <a:lvl5pPr marL="2194560" indent="0">
-              <a:buNone/>
-              <a:defRPr sz="2400"/>
+            <a:lvl5pPr marL="1463040" indent="0">
+              <a:buNone/>
+              <a:defRPr sz="1600"/>
             </a:lvl5pPr>
-            <a:lvl6pPr marL="2743200" indent="0">
-              <a:buNone/>
-              <a:defRPr sz="2400"/>
+            <a:lvl6pPr marL="1828800" indent="0">
+              <a:buNone/>
+              <a:defRPr sz="1600"/>
             </a:lvl6pPr>
-            <a:lvl7pPr marL="3291840" indent="0">
-              <a:buNone/>
-              <a:defRPr sz="2400"/>
+            <a:lvl7pPr marL="2194560" indent="0">
+              <a:buNone/>
+              <a:defRPr sz="1600"/>
             </a:lvl7pPr>
-            <a:lvl8pPr marL="3840480" indent="0">
-              <a:buNone/>
-              <a:defRPr sz="2400"/>
+            <a:lvl8pPr marL="2560320" indent="0">
+              <a:buNone/>
+              <a:defRPr sz="1600"/>
             </a:lvl8pPr>
-            <a:lvl9pPr marL="4389120" indent="0">
-              <a:buNone/>
-              <a:defRPr sz="2400"/>
+            <a:lvl9pPr marL="2926080" indent="0">
+              <a:buNone/>
+              <a:defRPr sz="1600"/>
             </a:lvl9pPr>
           </a:lstStyle>
           <a:p>
@@ -2635,8 +2637,8 @@
         </p:nvSpPr>
         <p:spPr>
           <a:xfrm>
-            <a:off x="755809" y="3566160"/>
-            <a:ext cx="3539014" cy="6606753"/>
+            <a:off x="1007746" y="1645920"/>
+            <a:ext cx="4718684" cy="3049270"/>
           </a:xfrm>
         </p:spPr>
         <p:txBody>
@@ -2644,39 +2646,39 @@
           <a:lstStyle>
             <a:lvl1pPr marL="0" indent="0">
               <a:buNone/>
-              <a:defRPr sz="1920"/>
+              <a:defRPr sz="1280"/>
             </a:lvl1pPr>
-            <a:lvl2pPr marL="548640" indent="0">
-              <a:buNone/>
-              <a:defRPr sz="1680"/>
+            <a:lvl2pPr marL="365760" indent="0">
+              <a:buNone/>
+              <a:defRPr sz="1120"/>
             </a:lvl2pPr>
-            <a:lvl3pPr marL="1097280" indent="0">
-              <a:buNone/>
-              <a:defRPr sz="1440"/>
+            <a:lvl3pPr marL="731520" indent="0">
+              <a:buNone/>
+              <a:defRPr sz="960"/>
             </a:lvl3pPr>
-            <a:lvl4pPr marL="1645920" indent="0">
-              <a:buNone/>
-              <a:defRPr sz="1200"/>
+            <a:lvl4pPr marL="1097280" indent="0">
+              <a:buNone/>
+              <a:defRPr sz="800"/>
             </a:lvl4pPr>
-            <a:lvl5pPr marL="2194560" indent="0">
-              <a:buNone/>
-              <a:defRPr sz="1200"/>
+            <a:lvl5pPr marL="1463040" indent="0">
+              <a:buNone/>
+              <a:defRPr sz="800"/>
             </a:lvl5pPr>
-            <a:lvl6pPr marL="2743200" indent="0">
-              <a:buNone/>
-              <a:defRPr sz="1200"/>
+            <a:lvl6pPr marL="1828800" indent="0">
+              <a:buNone/>
+              <a:defRPr sz="800"/>
             </a:lvl6pPr>
-            <a:lvl7pPr marL="3291840" indent="0">
-              <a:buNone/>
-              <a:defRPr sz="1200"/>
+            <a:lvl7pPr marL="2194560" indent="0">
+              <a:buNone/>
+              <a:defRPr sz="800"/>
             </a:lvl7pPr>
-            <a:lvl8pPr marL="3840480" indent="0">
-              <a:buNone/>
-              <a:defRPr sz="1200"/>
+            <a:lvl8pPr marL="2560320" indent="0">
+              <a:buNone/>
+              <a:defRPr sz="800"/>
             </a:lvl8pPr>
-            <a:lvl9pPr marL="4389120" indent="0">
-              <a:buNone/>
-              <a:defRPr sz="1200"/>
+            <a:lvl9pPr marL="2926080" indent="0">
+              <a:buNone/>
+              <a:defRPr sz="800"/>
             </a:lvl9pPr>
           </a:lstStyle>
           <a:p>
@@ -2705,7 +2707,7 @@
           <a:p>
             <a:fld id="{43DA9A97-6A4D-4190-82F3-1342E7FB8B4E}" type="datetimeFigureOut">
               <a:rPr lang="en-US" smtClean="0"/>
-              <a:t>3/7/2023</a:t>
+              <a:t>4/13/2023</a:t>
             </a:fld>
             <a:endParaRPr lang="en-US"/>
           </a:p>
@@ -2756,7 +2758,7 @@
     </p:spTree>
     <p:extLst>
       <p:ext uri="{BB962C8B-B14F-4D97-AF65-F5344CB8AC3E}">
-        <p14:creationId xmlns:p14="http://schemas.microsoft.com/office/powerpoint/2010/main" val="4203966685"/>
+        <p14:creationId xmlns:p14="http://schemas.microsoft.com/office/powerpoint/2010/main" val="400224223"/>
       </p:ext>
     </p:extLst>
   </p:cSld>
@@ -2800,8 +2802,8 @@
         </p:nvSpPr>
         <p:spPr>
           <a:xfrm>
-            <a:off x="754380" y="632886"/>
-            <a:ext cx="9464040" cy="2297643"/>
+            <a:off x="1005840" y="292101"/>
+            <a:ext cx="12618720" cy="1060450"/>
           </a:xfrm>
           <a:prstGeom prst="rect">
             <a:avLst/>
@@ -2833,8 +2835,8 @@
         </p:nvSpPr>
         <p:spPr>
           <a:xfrm>
-            <a:off x="754380" y="3164417"/>
-            <a:ext cx="9464040" cy="7542319"/>
+            <a:off x="1005840" y="1460500"/>
+            <a:ext cx="12618720" cy="3481070"/>
           </a:xfrm>
           <a:prstGeom prst="rect">
             <a:avLst/>
@@ -2895,8 +2897,8 @@
         </p:nvSpPr>
         <p:spPr>
           <a:xfrm>
-            <a:off x="754380" y="11017676"/>
-            <a:ext cx="2468880" cy="632883"/>
+            <a:off x="1005840" y="5085080"/>
+            <a:ext cx="3291840" cy="292100"/>
           </a:xfrm>
           <a:prstGeom prst="rect">
             <a:avLst/>
@@ -2906,7 +2908,7 @@
           <a:bodyPr vert="horz" lIns="91440" tIns="45720" rIns="91440" bIns="45720" rtlCol="0" anchor="ctr"/>
           <a:lstStyle>
             <a:lvl1pPr algn="l">
-              <a:defRPr sz="1440">
+              <a:defRPr sz="960">
                 <a:solidFill>
                   <a:schemeClr val="tx1">
                     <a:tint val="75000"/>
@@ -2918,7 +2920,7 @@
           <a:p>
             <a:fld id="{43DA9A97-6A4D-4190-82F3-1342E7FB8B4E}" type="datetimeFigureOut">
               <a:rPr lang="en-US" smtClean="0"/>
-              <a:t>3/7/2023</a:t>
+              <a:t>4/13/2023</a:t>
             </a:fld>
             <a:endParaRPr lang="en-US"/>
           </a:p>
@@ -2936,8 +2938,8 @@
         </p:nvSpPr>
         <p:spPr>
           <a:xfrm>
-            <a:off x="3634740" y="11017676"/>
-            <a:ext cx="3703320" cy="632883"/>
+            <a:off x="4846320" y="5085080"/>
+            <a:ext cx="4937760" cy="292100"/>
           </a:xfrm>
           <a:prstGeom prst="rect">
             <a:avLst/>
@@ -2947,7 +2949,7 @@
           <a:bodyPr vert="horz" lIns="91440" tIns="45720" rIns="91440" bIns="45720" rtlCol="0" anchor="ctr"/>
           <a:lstStyle>
             <a:lvl1pPr algn="ctr">
-              <a:defRPr sz="1440">
+              <a:defRPr sz="960">
                 <a:solidFill>
                   <a:schemeClr val="tx1">
                     <a:tint val="75000"/>
@@ -2973,8 +2975,8 @@
         </p:nvSpPr>
         <p:spPr>
           <a:xfrm>
-            <a:off x="7749540" y="11017676"/>
-            <a:ext cx="2468880" cy="632883"/>
+            <a:off x="10332720" y="5085080"/>
+            <a:ext cx="3291840" cy="292100"/>
           </a:xfrm>
           <a:prstGeom prst="rect">
             <a:avLst/>
@@ -2984,7 +2986,7 @@
           <a:bodyPr vert="horz" lIns="91440" tIns="45720" rIns="91440" bIns="45720" rtlCol="0" anchor="ctr"/>
           <a:lstStyle>
             <a:lvl1pPr algn="r">
-              <a:defRPr sz="1440">
+              <a:defRPr sz="960">
                 <a:solidFill>
                   <a:schemeClr val="tx1">
                     <a:tint val="75000"/>
@@ -3005,27 +3007,27 @@
     </p:spTree>
     <p:extLst>
       <p:ext uri="{BB962C8B-B14F-4D97-AF65-F5344CB8AC3E}">
-        <p14:creationId xmlns:p14="http://schemas.microsoft.com/office/powerpoint/2010/main" val="1059816597"/>
+        <p14:creationId xmlns:p14="http://schemas.microsoft.com/office/powerpoint/2010/main" val="3908008836"/>
       </p:ext>
     </p:extLst>
   </p:cSld>
   <p:clrMap bg1="lt1" tx1="dk1" bg2="lt2" tx2="dk2" accent1="accent1" accent2="accent2" accent3="accent3" accent4="accent4" accent5="accent5" accent6="accent6" hlink="hlink" folHlink="folHlink"/>
   <p:sldLayoutIdLst>
-    <p:sldLayoutId id="2147483721" r:id="rId1"/>
-    <p:sldLayoutId id="2147483722" r:id="rId2"/>
-    <p:sldLayoutId id="2147483723" r:id="rId3"/>
-    <p:sldLayoutId id="2147483724" r:id="rId4"/>
-    <p:sldLayoutId id="2147483725" r:id="rId5"/>
-    <p:sldLayoutId id="2147483726" r:id="rId6"/>
-    <p:sldLayoutId id="2147483727" r:id="rId7"/>
-    <p:sldLayoutId id="2147483728" r:id="rId8"/>
-    <p:sldLayoutId id="2147483729" r:id="rId9"/>
-    <p:sldLayoutId id="2147483730" r:id="rId10"/>
-    <p:sldLayoutId id="2147483731" r:id="rId11"/>
+    <p:sldLayoutId id="2147483733" r:id="rId1"/>
+    <p:sldLayoutId id="2147483734" r:id="rId2"/>
+    <p:sldLayoutId id="2147483735" r:id="rId3"/>
+    <p:sldLayoutId id="2147483736" r:id="rId4"/>
+    <p:sldLayoutId id="2147483737" r:id="rId5"/>
+    <p:sldLayoutId id="2147483738" r:id="rId6"/>
+    <p:sldLayoutId id="2147483739" r:id="rId7"/>
+    <p:sldLayoutId id="2147483740" r:id="rId8"/>
+    <p:sldLayoutId id="2147483741" r:id="rId9"/>
+    <p:sldLayoutId id="2147483742" r:id="rId10"/>
+    <p:sldLayoutId id="2147483743" r:id="rId11"/>
   </p:sldLayoutIdLst>
   <p:txStyles>
     <p:titleStyle>
-      <a:lvl1pPr algn="l" defTabSz="1097280" rtl="0" eaLnBrk="1" latinLnBrk="0" hangingPunct="1">
+      <a:lvl1pPr algn="l" defTabSz="731520" rtl="0" eaLnBrk="1" latinLnBrk="0" hangingPunct="1">
         <a:lnSpc>
           <a:spcPct val="90000"/>
         </a:lnSpc>
@@ -3033,7 +3035,7 @@
           <a:spcPct val="0"/>
         </a:spcBef>
         <a:buNone/>
-        <a:defRPr sz="5280" kern="1200">
+        <a:defRPr sz="3520" kern="1200">
           <a:solidFill>
             <a:schemeClr val="tx1"/>
           </a:solidFill>
@@ -3044,16 +3046,16 @@
       </a:lvl1pPr>
     </p:titleStyle>
     <p:bodyStyle>
-      <a:lvl1pPr marL="274320" indent="-274320" algn="l" defTabSz="1097280" rtl="0" eaLnBrk="1" latinLnBrk="0" hangingPunct="1">
+      <a:lvl1pPr marL="182880" indent="-182880" algn="l" defTabSz="731520" rtl="0" eaLnBrk="1" latinLnBrk="0" hangingPunct="1">
         <a:lnSpc>
           <a:spcPct val="90000"/>
         </a:lnSpc>
         <a:spcBef>
-          <a:spcPts val="1200"/>
+          <a:spcPts val="800"/>
         </a:spcBef>
         <a:buFont typeface="Arial" panose="020B0604020202020204" pitchFamily="34" charset="0"/>
         <a:buChar char="•"/>
-        <a:defRPr sz="3360" kern="1200">
+        <a:defRPr sz="2240" kern="1200">
           <a:solidFill>
             <a:schemeClr val="tx1"/>
           </a:solidFill>
@@ -3062,16 +3064,16 @@
           <a:cs typeface="+mn-cs"/>
         </a:defRPr>
       </a:lvl1pPr>
-      <a:lvl2pPr marL="822960" indent="-274320" algn="l" defTabSz="1097280" rtl="0" eaLnBrk="1" latinLnBrk="0" hangingPunct="1">
+      <a:lvl2pPr marL="548640" indent="-182880" algn="l" defTabSz="731520" rtl="0" eaLnBrk="1" latinLnBrk="0" hangingPunct="1">
         <a:lnSpc>
           <a:spcPct val="90000"/>
         </a:lnSpc>
         <a:spcBef>
-          <a:spcPts val="600"/>
+          <a:spcPts val="400"/>
         </a:spcBef>
         <a:buFont typeface="Arial" panose="020B0604020202020204" pitchFamily="34" charset="0"/>
         <a:buChar char="•"/>
-        <a:defRPr sz="2880" kern="1200">
+        <a:defRPr sz="1920" kern="1200">
           <a:solidFill>
             <a:schemeClr val="tx1"/>
           </a:solidFill>
@@ -3080,16 +3082,16 @@
           <a:cs typeface="+mn-cs"/>
         </a:defRPr>
       </a:lvl2pPr>
-      <a:lvl3pPr marL="1371600" indent="-274320" algn="l" defTabSz="1097280" rtl="0" eaLnBrk="1" latinLnBrk="0" hangingPunct="1">
+      <a:lvl3pPr marL="914400" indent="-182880" algn="l" defTabSz="731520" rtl="0" eaLnBrk="1" latinLnBrk="0" hangingPunct="1">
         <a:lnSpc>
           <a:spcPct val="90000"/>
         </a:lnSpc>
         <a:spcBef>
-          <a:spcPts val="600"/>
+          <a:spcPts val="400"/>
         </a:spcBef>
         <a:buFont typeface="Arial" panose="020B0604020202020204" pitchFamily="34" charset="0"/>
         <a:buChar char="•"/>
-        <a:defRPr sz="2400" kern="1200">
+        <a:defRPr sz="1600" kern="1200">
           <a:solidFill>
             <a:schemeClr val="tx1"/>
           </a:solidFill>
@@ -3098,16 +3100,16 @@
           <a:cs typeface="+mn-cs"/>
         </a:defRPr>
       </a:lvl3pPr>
-      <a:lvl4pPr marL="1920240" indent="-274320" algn="l" defTabSz="1097280" rtl="0" eaLnBrk="1" latinLnBrk="0" hangingPunct="1">
+      <a:lvl4pPr marL="1280160" indent="-182880" algn="l" defTabSz="731520" rtl="0" eaLnBrk="1" latinLnBrk="0" hangingPunct="1">
         <a:lnSpc>
           <a:spcPct val="90000"/>
         </a:lnSpc>
         <a:spcBef>
-          <a:spcPts val="600"/>
+          <a:spcPts val="400"/>
         </a:spcBef>
         <a:buFont typeface="Arial" panose="020B0604020202020204" pitchFamily="34" charset="0"/>
         <a:buChar char="•"/>
-        <a:defRPr sz="2160" kern="1200">
+        <a:defRPr sz="1440" kern="1200">
           <a:solidFill>
             <a:schemeClr val="tx1"/>
           </a:solidFill>
@@ -3116,16 +3118,16 @@
           <a:cs typeface="+mn-cs"/>
         </a:defRPr>
       </a:lvl4pPr>
-      <a:lvl5pPr marL="2468880" indent="-274320" algn="l" defTabSz="1097280" rtl="0" eaLnBrk="1" latinLnBrk="0" hangingPunct="1">
+      <a:lvl5pPr marL="1645920" indent="-182880" algn="l" defTabSz="731520" rtl="0" eaLnBrk="1" latinLnBrk="0" hangingPunct="1">
         <a:lnSpc>
           <a:spcPct val="90000"/>
         </a:lnSpc>
         <a:spcBef>
-          <a:spcPts val="600"/>
+          <a:spcPts val="400"/>
         </a:spcBef>
         <a:buFont typeface="Arial" panose="020B0604020202020204" pitchFamily="34" charset="0"/>
         <a:buChar char="•"/>
-        <a:defRPr sz="2160" kern="1200">
+        <a:defRPr sz="1440" kern="1200">
           <a:solidFill>
             <a:schemeClr val="tx1"/>
           </a:solidFill>
@@ -3134,16 +3136,16 @@
           <a:cs typeface="+mn-cs"/>
         </a:defRPr>
       </a:lvl5pPr>
-      <a:lvl6pPr marL="3017520" indent="-274320" algn="l" defTabSz="1097280" rtl="0" eaLnBrk="1" latinLnBrk="0" hangingPunct="1">
+      <a:lvl6pPr marL="2011680" indent="-182880" algn="l" defTabSz="731520" rtl="0" eaLnBrk="1" latinLnBrk="0" hangingPunct="1">
         <a:lnSpc>
           <a:spcPct val="90000"/>
         </a:lnSpc>
         <a:spcBef>
-          <a:spcPts val="600"/>
+          <a:spcPts val="400"/>
         </a:spcBef>
         <a:buFont typeface="Arial" panose="020B0604020202020204" pitchFamily="34" charset="0"/>
         <a:buChar char="•"/>
-        <a:defRPr sz="2160" kern="1200">
+        <a:defRPr sz="1440" kern="1200">
           <a:solidFill>
             <a:schemeClr val="tx1"/>
           </a:solidFill>
@@ -3152,16 +3154,16 @@
           <a:cs typeface="+mn-cs"/>
         </a:defRPr>
       </a:lvl6pPr>
-      <a:lvl7pPr marL="3566160" indent="-274320" algn="l" defTabSz="1097280" rtl="0" eaLnBrk="1" latinLnBrk="0" hangingPunct="1">
+      <a:lvl7pPr marL="2377440" indent="-182880" algn="l" defTabSz="731520" rtl="0" eaLnBrk="1" latinLnBrk="0" hangingPunct="1">
         <a:lnSpc>
           <a:spcPct val="90000"/>
         </a:lnSpc>
         <a:spcBef>
-          <a:spcPts val="600"/>
+          <a:spcPts val="400"/>
         </a:spcBef>
         <a:buFont typeface="Arial" panose="020B0604020202020204" pitchFamily="34" charset="0"/>
         <a:buChar char="•"/>
-        <a:defRPr sz="2160" kern="1200">
+        <a:defRPr sz="1440" kern="1200">
           <a:solidFill>
             <a:schemeClr val="tx1"/>
           </a:solidFill>
@@ -3170,16 +3172,16 @@
           <a:cs typeface="+mn-cs"/>
         </a:defRPr>
       </a:lvl7pPr>
-      <a:lvl8pPr marL="4114800" indent="-274320" algn="l" defTabSz="1097280" rtl="0" eaLnBrk="1" latinLnBrk="0" hangingPunct="1">
+      <a:lvl8pPr marL="2743200" indent="-182880" algn="l" defTabSz="731520" rtl="0" eaLnBrk="1" latinLnBrk="0" hangingPunct="1">
         <a:lnSpc>
           <a:spcPct val="90000"/>
         </a:lnSpc>
         <a:spcBef>
-          <a:spcPts val="600"/>
+          <a:spcPts val="400"/>
         </a:spcBef>
         <a:buFont typeface="Arial" panose="020B0604020202020204" pitchFamily="34" charset="0"/>
         <a:buChar char="•"/>
-        <a:defRPr sz="2160" kern="1200">
+        <a:defRPr sz="1440" kern="1200">
           <a:solidFill>
             <a:schemeClr val="tx1"/>
           </a:solidFill>
@@ -3188,16 +3190,16 @@
           <a:cs typeface="+mn-cs"/>
         </a:defRPr>
       </a:lvl8pPr>
-      <a:lvl9pPr marL="4663440" indent="-274320" algn="l" defTabSz="1097280" rtl="0" eaLnBrk="1" latinLnBrk="0" hangingPunct="1">
+      <a:lvl9pPr marL="3108960" indent="-182880" algn="l" defTabSz="731520" rtl="0" eaLnBrk="1" latinLnBrk="0" hangingPunct="1">
         <a:lnSpc>
           <a:spcPct val="90000"/>
         </a:lnSpc>
         <a:spcBef>
-          <a:spcPts val="600"/>
+          <a:spcPts val="400"/>
         </a:spcBef>
         <a:buFont typeface="Arial" panose="020B0604020202020204" pitchFamily="34" charset="0"/>
         <a:buChar char="•"/>
-        <a:defRPr sz="2160" kern="1200">
+        <a:defRPr sz="1440" kern="1200">
           <a:solidFill>
             <a:schemeClr val="tx1"/>
           </a:solidFill>
@@ -3211,8 +3213,8 @@
       <a:defPPr>
         <a:defRPr lang="en-US"/>
       </a:defPPr>
-      <a:lvl1pPr marL="0" algn="l" defTabSz="1097280" rtl="0" eaLnBrk="1" latinLnBrk="0" hangingPunct="1">
-        <a:defRPr sz="2160" kern="1200">
+      <a:lvl1pPr marL="0" algn="l" defTabSz="731520" rtl="0" eaLnBrk="1" latinLnBrk="0" hangingPunct="1">
+        <a:defRPr sz="1440" kern="1200">
           <a:solidFill>
             <a:schemeClr val="tx1"/>
           </a:solidFill>
@@ -3221,8 +3223,8 @@
           <a:cs typeface="+mn-cs"/>
         </a:defRPr>
       </a:lvl1pPr>
-      <a:lvl2pPr marL="548640" algn="l" defTabSz="1097280" rtl="0" eaLnBrk="1" latinLnBrk="0" hangingPunct="1">
-        <a:defRPr sz="2160" kern="1200">
+      <a:lvl2pPr marL="365760" algn="l" defTabSz="731520" rtl="0" eaLnBrk="1" latinLnBrk="0" hangingPunct="1">
+        <a:defRPr sz="1440" kern="1200">
           <a:solidFill>
             <a:schemeClr val="tx1"/>
           </a:solidFill>
@@ -3231,8 +3233,8 @@
           <a:cs typeface="+mn-cs"/>
         </a:defRPr>
       </a:lvl2pPr>
-      <a:lvl3pPr marL="1097280" algn="l" defTabSz="1097280" rtl="0" eaLnBrk="1" latinLnBrk="0" hangingPunct="1">
-        <a:defRPr sz="2160" kern="1200">
+      <a:lvl3pPr marL="731520" algn="l" defTabSz="731520" rtl="0" eaLnBrk="1" latinLnBrk="0" hangingPunct="1">
+        <a:defRPr sz="1440" kern="1200">
           <a:solidFill>
             <a:schemeClr val="tx1"/>
           </a:solidFill>
@@ -3241,8 +3243,8 @@
           <a:cs typeface="+mn-cs"/>
         </a:defRPr>
       </a:lvl3pPr>
-      <a:lvl4pPr marL="1645920" algn="l" defTabSz="1097280" rtl="0" eaLnBrk="1" latinLnBrk="0" hangingPunct="1">
-        <a:defRPr sz="2160" kern="1200">
+      <a:lvl4pPr marL="1097280" algn="l" defTabSz="731520" rtl="0" eaLnBrk="1" latinLnBrk="0" hangingPunct="1">
+        <a:defRPr sz="1440" kern="1200">
           <a:solidFill>
             <a:schemeClr val="tx1"/>
           </a:solidFill>
@@ -3251,8 +3253,8 @@
           <a:cs typeface="+mn-cs"/>
         </a:defRPr>
       </a:lvl4pPr>
-      <a:lvl5pPr marL="2194560" algn="l" defTabSz="1097280" rtl="0" eaLnBrk="1" latinLnBrk="0" hangingPunct="1">
-        <a:defRPr sz="2160" kern="1200">
+      <a:lvl5pPr marL="1463040" algn="l" defTabSz="731520" rtl="0" eaLnBrk="1" latinLnBrk="0" hangingPunct="1">
+        <a:defRPr sz="1440" kern="1200">
           <a:solidFill>
             <a:schemeClr val="tx1"/>
           </a:solidFill>
@@ -3261,8 +3263,8 @@
           <a:cs typeface="+mn-cs"/>
         </a:defRPr>
       </a:lvl5pPr>
-      <a:lvl6pPr marL="2743200" algn="l" defTabSz="1097280" rtl="0" eaLnBrk="1" latinLnBrk="0" hangingPunct="1">
-        <a:defRPr sz="2160" kern="1200">
+      <a:lvl6pPr marL="1828800" algn="l" defTabSz="731520" rtl="0" eaLnBrk="1" latinLnBrk="0" hangingPunct="1">
+        <a:defRPr sz="1440" kern="1200">
           <a:solidFill>
             <a:schemeClr val="tx1"/>
           </a:solidFill>
@@ -3271,8 +3273,8 @@
           <a:cs typeface="+mn-cs"/>
         </a:defRPr>
       </a:lvl6pPr>
-      <a:lvl7pPr marL="3291840" algn="l" defTabSz="1097280" rtl="0" eaLnBrk="1" latinLnBrk="0" hangingPunct="1">
-        <a:defRPr sz="2160" kern="1200">
+      <a:lvl7pPr marL="2194560" algn="l" defTabSz="731520" rtl="0" eaLnBrk="1" latinLnBrk="0" hangingPunct="1">
+        <a:defRPr sz="1440" kern="1200">
           <a:solidFill>
             <a:schemeClr val="tx1"/>
           </a:solidFill>
@@ -3281,8 +3283,8 @@
           <a:cs typeface="+mn-cs"/>
         </a:defRPr>
       </a:lvl7pPr>
-      <a:lvl8pPr marL="3840480" algn="l" defTabSz="1097280" rtl="0" eaLnBrk="1" latinLnBrk="0" hangingPunct="1">
-        <a:defRPr sz="2160" kern="1200">
+      <a:lvl8pPr marL="2560320" algn="l" defTabSz="731520" rtl="0" eaLnBrk="1" latinLnBrk="0" hangingPunct="1">
+        <a:defRPr sz="1440" kern="1200">
           <a:solidFill>
             <a:schemeClr val="tx1"/>
           </a:solidFill>
@@ -3291,8 +3293,8 @@
           <a:cs typeface="+mn-cs"/>
         </a:defRPr>
       </a:lvl8pPr>
-      <a:lvl9pPr marL="4389120" algn="l" defTabSz="1097280" rtl="0" eaLnBrk="1" latinLnBrk="0" hangingPunct="1">
-        <a:defRPr sz="2160" kern="1200">
+      <a:lvl9pPr marL="2926080" algn="l" defTabSz="731520" rtl="0" eaLnBrk="1" latinLnBrk="0" hangingPunct="1">
+        <a:defRPr sz="1440" kern="1200">
           <a:solidFill>
             <a:schemeClr val="tx1"/>
           </a:solidFill>
@@ -3325,10 +3327,10 @@
       </p:grpSpPr>
       <p:pic>
         <p:nvPicPr>
-          <p:cNvPr id="3" name="Picture 2">
+          <p:cNvPr id="5" name="Picture 4">
             <a:extLst>
               <a:ext uri="{FF2B5EF4-FFF2-40B4-BE49-F238E27FC236}">
-                <a16:creationId xmlns:a16="http://schemas.microsoft.com/office/drawing/2014/main" id="{D9D41381-FDB3-455D-B29B-560ED405C92C}"/>
+                <a16:creationId xmlns:a16="http://schemas.microsoft.com/office/drawing/2014/main" id="{8995B218-4C04-4119-AF5C-0A2F4E5DD90F}"/>
               </a:ext>
             </a:extLst>
           </p:cNvPr>
@@ -3345,13 +3347,13 @@
               </a:ext>
             </a:extLst>
           </a:blip>
-          <a:srcRect l="4495" t="11158" r="6893" b="741"/>
+          <a:srcRect l="4210" t="11130" r="6480" b="725"/>
           <a:stretch/>
         </p:blipFill>
         <p:spPr>
           <a:xfrm>
-            <a:off x="182880" y="60960"/>
-            <a:ext cx="10607040" cy="6591123"/>
+            <a:off x="81948" y="110975"/>
+            <a:ext cx="8534400" cy="5264450"/>
           </a:xfrm>
           <a:prstGeom prst="rect">
             <a:avLst/>
@@ -3360,10 +3362,10 @@
       </p:pic>
       <p:pic>
         <p:nvPicPr>
-          <p:cNvPr id="13" name="Picture 12">
+          <p:cNvPr id="7" name="Picture 6">
             <a:extLst>
               <a:ext uri="{FF2B5EF4-FFF2-40B4-BE49-F238E27FC236}">
-                <a16:creationId xmlns:a16="http://schemas.microsoft.com/office/drawing/2014/main" id="{1AB6F5C5-13AF-473E-BF95-3501D1290142}"/>
+                <a16:creationId xmlns:a16="http://schemas.microsoft.com/office/drawing/2014/main" id="{38195091-6C96-4F98-AFE9-1D0B154B5DC0}"/>
               </a:ext>
             </a:extLst>
           </p:cNvPr>
@@ -3380,13 +3382,13 @@
               </a:ext>
             </a:extLst>
           </a:blip>
-          <a:srcRect r="3120" b="1834"/>
+          <a:srcRect l="1924" t="7986" r="6730" b="521"/>
           <a:stretch/>
         </p:blipFill>
         <p:spPr>
           <a:xfrm>
-            <a:off x="5294582" y="7179680"/>
-            <a:ext cx="5678218" cy="4707520"/>
+            <a:off x="8616348" y="35209"/>
+            <a:ext cx="5895974" cy="5451191"/>
           </a:xfrm>
           <a:prstGeom prst="rect">
             <a:avLst/>
@@ -3395,10 +3397,10 @@
       </p:pic>
       <p:sp>
         <p:nvSpPr>
-          <p:cNvPr id="9" name="TextBox 8">
+          <p:cNvPr id="8" name="TextBox 7">
             <a:extLst>
               <a:ext uri="{FF2B5EF4-FFF2-40B4-BE49-F238E27FC236}">
-                <a16:creationId xmlns:a16="http://schemas.microsoft.com/office/drawing/2014/main" id="{9644F3F2-AD68-427A-9BEE-34601A6EB0C9}"/>
+                <a16:creationId xmlns:a16="http://schemas.microsoft.com/office/drawing/2014/main" id="{E92B84F0-17B1-456A-94E5-77407AEE023D}"/>
               </a:ext>
             </a:extLst>
           </p:cNvPr>
@@ -3407,8 +3409,8 @@
         </p:nvSpPr>
         <p:spPr>
           <a:xfrm>
-            <a:off x="-1745143" y="-1266092"/>
-            <a:ext cx="851515" cy="830997"/>
+            <a:off x="853574" y="82834"/>
+            <a:ext cx="631904" cy="584775"/>
           </a:xfrm>
           <a:prstGeom prst="rect">
             <a:avLst/>
@@ -3422,7 +3424,7 @@
           <a:lstStyle/>
           <a:p>
             <a:r>
-              <a:rPr lang="en-US" sz="4800" dirty="0"/>
+              <a:rPr lang="en-US" sz="3200" dirty="0"/>
               <a:t>(a)</a:t>
             </a:r>
           </a:p>
@@ -3430,10 +3432,10 @@
       </p:sp>
       <p:sp>
         <p:nvSpPr>
-          <p:cNvPr id="11" name="TextBox 10">
+          <p:cNvPr id="9" name="TextBox 8">
             <a:extLst>
               <a:ext uri="{FF2B5EF4-FFF2-40B4-BE49-F238E27FC236}">
-                <a16:creationId xmlns:a16="http://schemas.microsoft.com/office/drawing/2014/main" id="{C1A20788-A6AE-432D-B67C-7C23CD3EC2FF}"/>
+                <a16:creationId xmlns:a16="http://schemas.microsoft.com/office/drawing/2014/main" id="{C88E5501-111C-4F90-9D0D-4843BF30A7EE}"/>
               </a:ext>
             </a:extLst>
           </p:cNvPr>
@@ -3442,8 +3444,8 @@
         </p:nvSpPr>
         <p:spPr>
           <a:xfrm>
-            <a:off x="5381613" y="6512860"/>
-            <a:ext cx="712054" cy="707886"/>
+            <a:off x="9349874" y="230352"/>
+            <a:ext cx="651140" cy="584775"/>
           </a:xfrm>
           <a:prstGeom prst="rect">
             <a:avLst/>
@@ -3457,121 +3459,16 @@
           <a:lstStyle/>
           <a:p>
             <a:r>
-              <a:rPr lang="en-US" sz="4000" dirty="0"/>
-              <a:t>(c)</a:t>
-            </a:r>
-          </a:p>
-        </p:txBody>
-      </p:sp>
-      <p:sp>
-        <p:nvSpPr>
-          <p:cNvPr id="10" name="TextBox 9">
-            <a:extLst>
-              <a:ext uri="{FF2B5EF4-FFF2-40B4-BE49-F238E27FC236}">
-                <a16:creationId xmlns:a16="http://schemas.microsoft.com/office/drawing/2014/main" id="{2029E0F7-6E01-406C-B0F7-6CE7AE0BF08E}"/>
-              </a:ext>
-            </a:extLst>
-          </p:cNvPr>
-          <p:cNvSpPr txBox="1"/>
-          <p:nvPr/>
-        </p:nvSpPr>
-        <p:spPr>
-          <a:xfrm>
-            <a:off x="65353" y="6384814"/>
-            <a:ext cx="764953" cy="707886"/>
-          </a:xfrm>
-          <a:prstGeom prst="rect">
-            <a:avLst/>
-          </a:prstGeom>
-          <a:noFill/>
-        </p:spPr>
-        <p:txBody>
-          <a:bodyPr wrap="none" rtlCol="0">
-            <a:spAutoFit/>
-          </a:bodyPr>
-          <a:lstStyle/>
-          <a:p>
-            <a:r>
-              <a:rPr lang="en-US" sz="4000" dirty="0"/>
+              <a:rPr lang="en-US" sz="3200" dirty="0"/>
               <a:t>(b)</a:t>
             </a:r>
           </a:p>
         </p:txBody>
       </p:sp>
-      <p:sp>
-        <p:nvSpPr>
-          <p:cNvPr id="38" name="TextBox 37">
-            <a:extLst>
-              <a:ext uri="{FF2B5EF4-FFF2-40B4-BE49-F238E27FC236}">
-                <a16:creationId xmlns:a16="http://schemas.microsoft.com/office/drawing/2014/main" id="{FB9B3491-FFEC-4D6A-9C03-FA32F03010F3}"/>
-              </a:ext>
-            </a:extLst>
-          </p:cNvPr>
-          <p:cNvSpPr txBox="1"/>
-          <p:nvPr/>
-        </p:nvSpPr>
-        <p:spPr>
-          <a:xfrm>
-            <a:off x="60159" y="0"/>
-            <a:ext cx="740908" cy="707886"/>
-          </a:xfrm>
-          <a:prstGeom prst="rect">
-            <a:avLst/>
-          </a:prstGeom>
-          <a:noFill/>
-        </p:spPr>
-        <p:txBody>
-          <a:bodyPr wrap="none" rtlCol="0">
-            <a:spAutoFit/>
-          </a:bodyPr>
-          <a:lstStyle/>
-          <a:p>
-            <a:r>
-              <a:rPr lang="en-US" sz="4000" dirty="0"/>
-              <a:t>(a)</a:t>
-            </a:r>
-          </a:p>
-        </p:txBody>
-      </p:sp>
-      <p:pic>
-        <p:nvPicPr>
-          <p:cNvPr id="5" name="Picture 4">
-            <a:extLst>
-              <a:ext uri="{FF2B5EF4-FFF2-40B4-BE49-F238E27FC236}">
-                <a16:creationId xmlns:a16="http://schemas.microsoft.com/office/drawing/2014/main" id="{7132EF2D-41CA-42E4-BD03-D6C196EB093E}"/>
-              </a:ext>
-            </a:extLst>
-          </p:cNvPr>
-          <p:cNvPicPr>
-            <a:picLocks noChangeAspect="1"/>
-          </p:cNvPicPr>
-          <p:nvPr/>
-        </p:nvPicPr>
-        <p:blipFill rotWithShape="1">
-          <a:blip r:embed="rId4">
-            <a:extLst>
-              <a:ext uri="{28A0092B-C50C-407E-A947-70E740481C1C}">
-                <a14:useLocalDpi xmlns:a14="http://schemas.microsoft.com/office/drawing/2010/main" val="0"/>
-              </a:ext>
-            </a:extLst>
-          </a:blip>
-          <a:srcRect l="2090" t="8523" r="7439" b="1048"/>
-          <a:stretch/>
-        </p:blipFill>
-        <p:spPr>
-          <a:xfrm>
-            <a:off x="0" y="7025359"/>
-            <a:ext cx="5189504" cy="4788024"/>
-          </a:xfrm>
-          <a:prstGeom prst="rect">
-            <a:avLst/>
-          </a:prstGeom>
-        </p:spPr>
-      </p:pic>
     </p:spTree>
     <p:extLst>
       <p:ext uri="{BB962C8B-B14F-4D97-AF65-F5344CB8AC3E}">
-        <p14:creationId xmlns:p14="http://schemas.microsoft.com/office/powerpoint/2010/main" val="697792308"/>
+        <p14:creationId xmlns:p14="http://schemas.microsoft.com/office/powerpoint/2010/main" val="3546009056"/>
       </p:ext>
     </p:extLst>
   </p:cSld>
